--- a/bi_ye_lun_wen/New Microsoft PowerPoint Presentation.pptx
+++ b/bi_ye_lun_wen/New Microsoft PowerPoint Presentation.pptx
@@ -7,7 +7,8 @@
   <p:sldIdLst>
     <p:sldId id="256" r:id="rId2"/>
     <p:sldId id="257" r:id="rId3"/>
-    <p:sldId id="258" r:id="rId4"/>
+    <p:sldId id="259" r:id="rId4"/>
+    <p:sldId id="258" r:id="rId5"/>
   </p:sldIdLst>
   <p:sldSz cx="12192000" cy="6858000"/>
   <p:notesSz cx="6858000" cy="9144000"/>
@@ -106,6 +107,11 @@
       </a:defRPr>
     </a:lvl9pPr>
   </p:defaultTextStyle>
+  <p:extLst>
+    <p:ext uri="{EFAFB233-063F-42B5-8137-9DF3F51BA10A}">
+      <p15:sldGuideLst xmlns:p15="http://schemas.microsoft.com/office/powerpoint/2012/main"/>
+    </p:ext>
+  </p:extLst>
 </p:presentation>
 </file>
 
@@ -262,7 +268,7 @@
           <a:p>
             <a:fld id="{2987ECA7-E81A-4F52-BFE3-BC3B37E28937}" type="datetimeFigureOut">
               <a:rPr lang="en-US" smtClean="0"/>
-              <a:t>1/1/2018</a:t>
+              <a:t>1/15/2018</a:t>
             </a:fld>
             <a:endParaRPr lang="en-US"/>
           </a:p>
@@ -462,7 +468,7 @@
           <a:p>
             <a:fld id="{2987ECA7-E81A-4F52-BFE3-BC3B37E28937}" type="datetimeFigureOut">
               <a:rPr lang="en-US" smtClean="0"/>
-              <a:t>1/1/2018</a:t>
+              <a:t>1/15/2018</a:t>
             </a:fld>
             <a:endParaRPr lang="en-US"/>
           </a:p>
@@ -672,7 +678,7 @@
           <a:p>
             <a:fld id="{2987ECA7-E81A-4F52-BFE3-BC3B37E28937}" type="datetimeFigureOut">
               <a:rPr lang="en-US" smtClean="0"/>
-              <a:t>1/1/2018</a:t>
+              <a:t>1/15/2018</a:t>
             </a:fld>
             <a:endParaRPr lang="en-US"/>
           </a:p>
@@ -872,7 +878,7 @@
           <a:p>
             <a:fld id="{2987ECA7-E81A-4F52-BFE3-BC3B37E28937}" type="datetimeFigureOut">
               <a:rPr lang="en-US" smtClean="0"/>
-              <a:t>1/1/2018</a:t>
+              <a:t>1/15/2018</a:t>
             </a:fld>
             <a:endParaRPr lang="en-US"/>
           </a:p>
@@ -1148,7 +1154,7 @@
           <a:p>
             <a:fld id="{2987ECA7-E81A-4F52-BFE3-BC3B37E28937}" type="datetimeFigureOut">
               <a:rPr lang="en-US" smtClean="0"/>
-              <a:t>1/1/2018</a:t>
+              <a:t>1/15/2018</a:t>
             </a:fld>
             <a:endParaRPr lang="en-US"/>
           </a:p>
@@ -1416,7 +1422,7 @@
           <a:p>
             <a:fld id="{2987ECA7-E81A-4F52-BFE3-BC3B37E28937}" type="datetimeFigureOut">
               <a:rPr lang="en-US" smtClean="0"/>
-              <a:t>1/1/2018</a:t>
+              <a:t>1/15/2018</a:t>
             </a:fld>
             <a:endParaRPr lang="en-US"/>
           </a:p>
@@ -1831,7 +1837,7 @@
           <a:p>
             <a:fld id="{2987ECA7-E81A-4F52-BFE3-BC3B37E28937}" type="datetimeFigureOut">
               <a:rPr lang="en-US" smtClean="0"/>
-              <a:t>1/1/2018</a:t>
+              <a:t>1/15/2018</a:t>
             </a:fld>
             <a:endParaRPr lang="en-US"/>
           </a:p>
@@ -1973,7 +1979,7 @@
           <a:p>
             <a:fld id="{2987ECA7-E81A-4F52-BFE3-BC3B37E28937}" type="datetimeFigureOut">
               <a:rPr lang="en-US" smtClean="0"/>
-              <a:t>1/1/2018</a:t>
+              <a:t>1/15/2018</a:t>
             </a:fld>
             <a:endParaRPr lang="en-US"/>
           </a:p>
@@ -2086,7 +2092,7 @@
           <a:p>
             <a:fld id="{2987ECA7-E81A-4F52-BFE3-BC3B37E28937}" type="datetimeFigureOut">
               <a:rPr lang="en-US" smtClean="0"/>
-              <a:t>1/1/2018</a:t>
+              <a:t>1/15/2018</a:t>
             </a:fld>
             <a:endParaRPr lang="en-US"/>
           </a:p>
@@ -2399,7 +2405,7 @@
           <a:p>
             <a:fld id="{2987ECA7-E81A-4F52-BFE3-BC3B37E28937}" type="datetimeFigureOut">
               <a:rPr lang="en-US" smtClean="0"/>
-              <a:t>1/1/2018</a:t>
+              <a:t>1/15/2018</a:t>
             </a:fld>
             <a:endParaRPr lang="en-US"/>
           </a:p>
@@ -2688,7 +2694,7 @@
           <a:p>
             <a:fld id="{2987ECA7-E81A-4F52-BFE3-BC3B37E28937}" type="datetimeFigureOut">
               <a:rPr lang="en-US" smtClean="0"/>
-              <a:t>1/1/2018</a:t>
+              <a:t>1/15/2018</a:t>
             </a:fld>
             <a:endParaRPr lang="en-US"/>
           </a:p>
@@ -2931,7 +2937,7 @@
           <a:p>
             <a:fld id="{2987ECA7-E81A-4F52-BFE3-BC3B37E28937}" type="datetimeFigureOut">
               <a:rPr lang="en-US" smtClean="0"/>
-              <a:t>1/1/2018</a:t>
+              <a:t>1/15/2018</a:t>
             </a:fld>
             <a:endParaRPr lang="en-US"/>
           </a:p>
@@ -4499,9 +4505,1075 @@
       </p:grpSpPr>
       <p:sp>
         <p:nvSpPr>
+          <p:cNvPr id="16" name="矩形: 圆角 15">
+            <a:extLst>
+              <a:ext uri="{FF2B5EF4-FFF2-40B4-BE49-F238E27FC236}">
+                <a16:creationId xmlns:a16="http://schemas.microsoft.com/office/drawing/2014/main" id="{539EF78F-F89D-436E-957D-17A09A176C84}"/>
+              </a:ext>
+            </a:extLst>
+          </p:cNvPr>
+          <p:cNvSpPr/>
+          <p:nvPr/>
+        </p:nvSpPr>
+        <p:spPr>
+          <a:xfrm>
+            <a:off x="6096000" y="2291938"/>
+            <a:ext cx="4081153" cy="2707574"/>
+          </a:xfrm>
+          <a:prstGeom prst="roundRect">
+            <a:avLst/>
+          </a:prstGeom>
+        </p:spPr>
+        <p:style>
+          <a:lnRef idx="2">
+            <a:schemeClr val="accent1"/>
+          </a:lnRef>
+          <a:fillRef idx="1">
+            <a:schemeClr val="lt1"/>
+          </a:fillRef>
+          <a:effectRef idx="0">
+            <a:schemeClr val="accent1"/>
+          </a:effectRef>
+          <a:fontRef idx="minor">
+            <a:schemeClr val="dk1"/>
+          </a:fontRef>
+        </p:style>
+        <p:txBody>
+          <a:bodyPr rtlCol="0" anchor="ctr"/>
+          <a:lstStyle/>
+          <a:p>
+            <a:pPr algn="ctr"/>
+            <a:endParaRPr lang="en-US"/>
+          </a:p>
+        </p:txBody>
+      </p:sp>
+      <p:sp>
+        <p:nvSpPr>
+          <p:cNvPr id="13" name="矩形: 圆角 12">
+            <a:extLst>
+              <a:ext uri="{FF2B5EF4-FFF2-40B4-BE49-F238E27FC236}">
+                <a16:creationId xmlns:a16="http://schemas.microsoft.com/office/drawing/2014/main" id="{2C83C7AA-C2C5-43CD-A807-791EC21940A6}"/>
+              </a:ext>
+            </a:extLst>
+          </p:cNvPr>
+          <p:cNvSpPr/>
+          <p:nvPr/>
+        </p:nvSpPr>
+        <p:spPr>
+          <a:xfrm>
+            <a:off x="251365" y="2291938"/>
+            <a:ext cx="3304311" cy="2707574"/>
+          </a:xfrm>
+          <a:prstGeom prst="roundRect">
+            <a:avLst/>
+          </a:prstGeom>
+        </p:spPr>
+        <p:style>
+          <a:lnRef idx="2">
+            <a:schemeClr val="accent1"/>
+          </a:lnRef>
+          <a:fillRef idx="1">
+            <a:schemeClr val="lt1"/>
+          </a:fillRef>
+          <a:effectRef idx="0">
+            <a:schemeClr val="accent1"/>
+          </a:effectRef>
+          <a:fontRef idx="minor">
+            <a:schemeClr val="dk1"/>
+          </a:fontRef>
+        </p:style>
+        <p:txBody>
+          <a:bodyPr rtlCol="0" anchor="ctr"/>
+          <a:lstStyle/>
+          <a:p>
+            <a:pPr algn="ctr"/>
+            <a:endParaRPr lang="en-US"/>
+          </a:p>
+        </p:txBody>
+      </p:sp>
+      <p:sp>
+        <p:nvSpPr>
           <p:cNvPr id="2" name="标题 1">
             <a:extLst>
               <a:ext uri="{FF2B5EF4-FFF2-40B4-BE49-F238E27FC236}">
+                <a16:creationId xmlns:a16="http://schemas.microsoft.com/office/drawing/2014/main" id="{329CEABB-0F55-4EFF-BA19-1AD0CFF47D7D}"/>
+              </a:ext>
+            </a:extLst>
+          </p:cNvPr>
+          <p:cNvSpPr>
+            <a:spLocks noGrp="1"/>
+          </p:cNvSpPr>
+          <p:nvPr>
+            <p:ph type="title"/>
+          </p:nvPr>
+        </p:nvSpPr>
+        <p:spPr/>
+        <p:txBody>
+          <a:bodyPr/>
+          <a:lstStyle/>
+          <a:p>
+            <a:endParaRPr lang="en-US"/>
+          </a:p>
+        </p:txBody>
+      </p:sp>
+      <p:sp>
+        <p:nvSpPr>
+          <p:cNvPr id="4" name="矩形 3">
+            <a:extLst>
+              <a:ext uri="{FF2B5EF4-FFF2-40B4-BE49-F238E27FC236}">
+                <a16:creationId xmlns:a16="http://schemas.microsoft.com/office/drawing/2014/main" id="{37DB9256-7649-478F-B6F0-3D24D4E72EB3}"/>
+              </a:ext>
+            </a:extLst>
+          </p:cNvPr>
+          <p:cNvSpPr/>
+          <p:nvPr/>
+        </p:nvSpPr>
+        <p:spPr>
+          <a:xfrm>
+            <a:off x="512622" y="2621478"/>
+            <a:ext cx="1249138" cy="807522"/>
+          </a:xfrm>
+          <a:prstGeom prst="rect">
+            <a:avLst/>
+          </a:prstGeom>
+        </p:spPr>
+        <p:style>
+          <a:lnRef idx="2">
+            <a:schemeClr val="dk1"/>
+          </a:lnRef>
+          <a:fillRef idx="1">
+            <a:schemeClr val="lt1"/>
+          </a:fillRef>
+          <a:effectRef idx="0">
+            <a:schemeClr val="dk1"/>
+          </a:effectRef>
+          <a:fontRef idx="minor">
+            <a:schemeClr val="dk1"/>
+          </a:fontRef>
+        </p:style>
+        <p:txBody>
+          <a:bodyPr rtlCol="0" anchor="ctr"/>
+          <a:lstStyle/>
+          <a:p>
+            <a:pPr algn="ctr"/>
+            <a:r>
+              <a:rPr lang="en-US" altLang="zh-CN" dirty="0"/>
+              <a:t>Target pic production</a:t>
+            </a:r>
+            <a:endParaRPr lang="en-US" dirty="0"/>
+          </a:p>
+        </p:txBody>
+      </p:sp>
+      <p:sp>
+        <p:nvSpPr>
+          <p:cNvPr id="5" name="矩形 4">
+            <a:extLst>
+              <a:ext uri="{FF2B5EF4-FFF2-40B4-BE49-F238E27FC236}">
+                <a16:creationId xmlns:a16="http://schemas.microsoft.com/office/drawing/2014/main" id="{9C9C5A0E-FF93-40E7-A78F-BD6DADC9AC98}"/>
+              </a:ext>
+            </a:extLst>
+          </p:cNvPr>
+          <p:cNvSpPr/>
+          <p:nvPr/>
+        </p:nvSpPr>
+        <p:spPr>
+          <a:xfrm>
+            <a:off x="512622" y="3645725"/>
+            <a:ext cx="1238001" cy="807522"/>
+          </a:xfrm>
+          <a:prstGeom prst="rect">
+            <a:avLst/>
+          </a:prstGeom>
+        </p:spPr>
+        <p:style>
+          <a:lnRef idx="2">
+            <a:schemeClr val="dk1"/>
+          </a:lnRef>
+          <a:fillRef idx="1">
+            <a:schemeClr val="lt1"/>
+          </a:fillRef>
+          <a:effectRef idx="0">
+            <a:schemeClr val="dk1"/>
+          </a:effectRef>
+          <a:fontRef idx="minor">
+            <a:schemeClr val="dk1"/>
+          </a:fontRef>
+        </p:style>
+        <p:txBody>
+          <a:bodyPr rtlCol="0" anchor="ctr"/>
+          <a:lstStyle/>
+          <a:p>
+            <a:pPr algn="ctr"/>
+            <a:r>
+              <a:rPr lang="en-US" altLang="zh-CN" dirty="0"/>
+              <a:t>Model </a:t>
+            </a:r>
+            <a:r>
+              <a:rPr lang="en-US" altLang="zh-CN" dirty="0" err="1"/>
+              <a:t>producion</a:t>
+            </a:r>
+            <a:endParaRPr lang="en-US" dirty="0"/>
+          </a:p>
+        </p:txBody>
+      </p:sp>
+      <p:sp>
+        <p:nvSpPr>
+          <p:cNvPr id="6" name="矩形 5">
+            <a:extLst>
+              <a:ext uri="{FF2B5EF4-FFF2-40B4-BE49-F238E27FC236}">
+                <a16:creationId xmlns:a16="http://schemas.microsoft.com/office/drawing/2014/main" id="{286C7161-025D-4C80-A7AE-719A8F7B74D3}"/>
+              </a:ext>
+            </a:extLst>
+          </p:cNvPr>
+          <p:cNvSpPr/>
+          <p:nvPr/>
+        </p:nvSpPr>
+        <p:spPr>
+          <a:xfrm>
+            <a:off x="4070268" y="2314946"/>
+            <a:ext cx="1496291" cy="2524991"/>
+          </a:xfrm>
+          <a:prstGeom prst="rect">
+            <a:avLst/>
+          </a:prstGeom>
+        </p:spPr>
+        <p:style>
+          <a:lnRef idx="2">
+            <a:schemeClr val="dk1"/>
+          </a:lnRef>
+          <a:fillRef idx="1">
+            <a:schemeClr val="lt1"/>
+          </a:fillRef>
+          <a:effectRef idx="0">
+            <a:schemeClr val="dk1"/>
+          </a:effectRef>
+          <a:fontRef idx="minor">
+            <a:schemeClr val="dk1"/>
+          </a:fontRef>
+        </p:style>
+        <p:txBody>
+          <a:bodyPr rtlCol="0" anchor="ctr"/>
+          <a:lstStyle/>
+          <a:p>
+            <a:pPr algn="ctr"/>
+            <a:r>
+              <a:rPr lang="en-US" altLang="zh-CN" dirty="0"/>
+              <a:t>Upload the target pics to </a:t>
+            </a:r>
+            <a:r>
+              <a:rPr lang="en-US" altLang="zh-CN" dirty="0" err="1"/>
+              <a:t>Vuforia</a:t>
+            </a:r>
+            <a:r>
+              <a:rPr lang="en-US" altLang="zh-CN" dirty="0"/>
+              <a:t> site and download  and import the Unity package to  Unity3d</a:t>
+            </a:r>
+            <a:endParaRPr lang="en-US" dirty="0"/>
+          </a:p>
+        </p:txBody>
+      </p:sp>
+      <p:sp>
+        <p:nvSpPr>
+          <p:cNvPr id="7" name="矩形 6">
+            <a:extLst>
+              <a:ext uri="{FF2B5EF4-FFF2-40B4-BE49-F238E27FC236}">
+                <a16:creationId xmlns:a16="http://schemas.microsoft.com/office/drawing/2014/main" id="{C653E7B1-C055-4B5F-B5CA-16361E3E65EF}"/>
+              </a:ext>
+            </a:extLst>
+          </p:cNvPr>
+          <p:cNvSpPr/>
+          <p:nvPr/>
+        </p:nvSpPr>
+        <p:spPr>
+          <a:xfrm>
+            <a:off x="8260277" y="3977492"/>
+            <a:ext cx="1655619" cy="807522"/>
+          </a:xfrm>
+          <a:prstGeom prst="rect">
+            <a:avLst/>
+          </a:prstGeom>
+        </p:spPr>
+        <p:style>
+          <a:lnRef idx="2">
+            <a:schemeClr val="dk1"/>
+          </a:lnRef>
+          <a:fillRef idx="1">
+            <a:schemeClr val="lt1"/>
+          </a:fillRef>
+          <a:effectRef idx="0">
+            <a:schemeClr val="dk1"/>
+          </a:effectRef>
+          <a:fontRef idx="minor">
+            <a:schemeClr val="dk1"/>
+          </a:fontRef>
+        </p:style>
+        <p:txBody>
+          <a:bodyPr rtlCol="0" anchor="ctr"/>
+          <a:lstStyle/>
+          <a:p>
+            <a:pPr algn="ctr"/>
+            <a:r>
+              <a:rPr lang="en-US" dirty="0"/>
+              <a:t>Pass the </a:t>
+            </a:r>
+            <a:r>
+              <a:rPr lang="en-US" dirty="0" err="1"/>
+              <a:t>Shader</a:t>
+            </a:r>
+            <a:r>
+              <a:rPr lang="en-US" dirty="0"/>
+              <a:t> </a:t>
+            </a:r>
+            <a:r>
+              <a:rPr lang="en-US" altLang="zh-CN" dirty="0"/>
+              <a:t>value</a:t>
+            </a:r>
+            <a:endParaRPr lang="en-US" dirty="0"/>
+          </a:p>
+        </p:txBody>
+      </p:sp>
+      <p:sp>
+        <p:nvSpPr>
+          <p:cNvPr id="8" name="矩形 7">
+            <a:extLst>
+              <a:ext uri="{FF2B5EF4-FFF2-40B4-BE49-F238E27FC236}">
+                <a16:creationId xmlns:a16="http://schemas.microsoft.com/office/drawing/2014/main" id="{85ECBC49-3031-4725-95A9-A7FFF065F2A3}"/>
+              </a:ext>
+            </a:extLst>
+          </p:cNvPr>
+          <p:cNvSpPr/>
+          <p:nvPr/>
+        </p:nvSpPr>
+        <p:spPr>
+          <a:xfrm>
+            <a:off x="6337963" y="2490850"/>
+            <a:ext cx="1496291" cy="807522"/>
+          </a:xfrm>
+          <a:prstGeom prst="rect">
+            <a:avLst/>
+          </a:prstGeom>
+        </p:spPr>
+        <p:style>
+          <a:lnRef idx="2">
+            <a:schemeClr val="dk1"/>
+          </a:lnRef>
+          <a:fillRef idx="1">
+            <a:schemeClr val="lt1"/>
+          </a:fillRef>
+          <a:effectRef idx="0">
+            <a:schemeClr val="dk1"/>
+          </a:effectRef>
+          <a:fontRef idx="minor">
+            <a:schemeClr val="dk1"/>
+          </a:fontRef>
+        </p:style>
+        <p:txBody>
+          <a:bodyPr rtlCol="0" anchor="ctr"/>
+          <a:lstStyle/>
+          <a:p>
+            <a:pPr algn="ctr"/>
+            <a:r>
+              <a:rPr lang="en-US" altLang="zh-CN" dirty="0"/>
+              <a:t>Get the Screen capture</a:t>
+            </a:r>
+            <a:endParaRPr lang="en-US" dirty="0"/>
+          </a:p>
+        </p:txBody>
+      </p:sp>
+      <p:sp>
+        <p:nvSpPr>
+          <p:cNvPr id="9" name="矩形 8">
+            <a:extLst>
+              <a:ext uri="{FF2B5EF4-FFF2-40B4-BE49-F238E27FC236}">
+                <a16:creationId xmlns:a16="http://schemas.microsoft.com/office/drawing/2014/main" id="{4E0FF501-27C5-44C0-9107-3AB964A7941A}"/>
+              </a:ext>
+            </a:extLst>
+          </p:cNvPr>
+          <p:cNvSpPr/>
+          <p:nvPr/>
+        </p:nvSpPr>
+        <p:spPr>
+          <a:xfrm>
+            <a:off x="2291201" y="3108367"/>
+            <a:ext cx="1106632" cy="807522"/>
+          </a:xfrm>
+          <a:prstGeom prst="rect">
+            <a:avLst/>
+          </a:prstGeom>
+        </p:spPr>
+        <p:style>
+          <a:lnRef idx="2">
+            <a:schemeClr val="dk1"/>
+          </a:lnRef>
+          <a:fillRef idx="1">
+            <a:schemeClr val="lt1"/>
+          </a:fillRef>
+          <a:effectRef idx="0">
+            <a:schemeClr val="dk1"/>
+          </a:effectRef>
+          <a:fontRef idx="minor">
+            <a:schemeClr val="dk1"/>
+          </a:fontRef>
+        </p:style>
+        <p:txBody>
+          <a:bodyPr rtlCol="0" anchor="ctr"/>
+          <a:lstStyle/>
+          <a:p>
+            <a:pPr algn="ctr"/>
+            <a:r>
+              <a:rPr lang="en-US" dirty="0"/>
+              <a:t>UV Split and match</a:t>
+            </a:r>
+          </a:p>
+        </p:txBody>
+      </p:sp>
+      <p:sp>
+        <p:nvSpPr>
+          <p:cNvPr id="10" name="箭头: 右 9">
+            <a:extLst>
+              <a:ext uri="{FF2B5EF4-FFF2-40B4-BE49-F238E27FC236}">
+                <a16:creationId xmlns:a16="http://schemas.microsoft.com/office/drawing/2014/main" id="{5E3621F9-61A9-494A-818D-9D9365CDC39B}"/>
+              </a:ext>
+            </a:extLst>
+          </p:cNvPr>
+          <p:cNvSpPr/>
+          <p:nvPr/>
+        </p:nvSpPr>
+        <p:spPr>
+          <a:xfrm>
+            <a:off x="3578436" y="3108367"/>
+            <a:ext cx="469072" cy="938150"/>
+          </a:xfrm>
+          <a:prstGeom prst="rightArrow">
+            <a:avLst/>
+          </a:prstGeom>
+        </p:spPr>
+        <p:style>
+          <a:lnRef idx="2">
+            <a:schemeClr val="accent1">
+              <a:shade val="50000"/>
+            </a:schemeClr>
+          </a:lnRef>
+          <a:fillRef idx="1">
+            <a:schemeClr val="accent1"/>
+          </a:fillRef>
+          <a:effectRef idx="0">
+            <a:schemeClr val="accent1"/>
+          </a:effectRef>
+          <a:fontRef idx="minor">
+            <a:schemeClr val="lt1"/>
+          </a:fontRef>
+        </p:style>
+        <p:txBody>
+          <a:bodyPr rtlCol="0" anchor="ctr"/>
+          <a:lstStyle/>
+          <a:p>
+            <a:pPr algn="ctr"/>
+            <a:endParaRPr lang="en-US"/>
+          </a:p>
+        </p:txBody>
+      </p:sp>
+      <p:sp>
+        <p:nvSpPr>
+          <p:cNvPr id="14" name="箭头: 右 13">
+            <a:extLst>
+              <a:ext uri="{FF2B5EF4-FFF2-40B4-BE49-F238E27FC236}">
+                <a16:creationId xmlns:a16="http://schemas.microsoft.com/office/drawing/2014/main" id="{81CF3B80-B7E2-4E46-83BE-FBD831FBC765}"/>
+              </a:ext>
+            </a:extLst>
+          </p:cNvPr>
+          <p:cNvSpPr/>
+          <p:nvPr/>
+        </p:nvSpPr>
+        <p:spPr>
+          <a:xfrm>
+            <a:off x="1775368" y="3298372"/>
+            <a:ext cx="422562" cy="617517"/>
+          </a:xfrm>
+          <a:prstGeom prst="rightArrow">
+            <a:avLst/>
+          </a:prstGeom>
+        </p:spPr>
+        <p:style>
+          <a:lnRef idx="2">
+            <a:schemeClr val="accent1">
+              <a:shade val="50000"/>
+            </a:schemeClr>
+          </a:lnRef>
+          <a:fillRef idx="1">
+            <a:schemeClr val="accent1"/>
+          </a:fillRef>
+          <a:effectRef idx="0">
+            <a:schemeClr val="accent1"/>
+          </a:effectRef>
+          <a:fontRef idx="minor">
+            <a:schemeClr val="lt1"/>
+          </a:fontRef>
+        </p:style>
+        <p:txBody>
+          <a:bodyPr rtlCol="0" anchor="ctr"/>
+          <a:lstStyle/>
+          <a:p>
+            <a:pPr algn="ctr"/>
+            <a:endParaRPr lang="en-US"/>
+          </a:p>
+        </p:txBody>
+      </p:sp>
+      <p:sp>
+        <p:nvSpPr>
+          <p:cNvPr id="15" name="矩形: 圆角 14">
+            <a:extLst>
+              <a:ext uri="{FF2B5EF4-FFF2-40B4-BE49-F238E27FC236}">
+                <a16:creationId xmlns:a16="http://schemas.microsoft.com/office/drawing/2014/main" id="{A59199A4-1627-413F-9C4C-A485D3496999}"/>
+              </a:ext>
+            </a:extLst>
+          </p:cNvPr>
+          <p:cNvSpPr/>
+          <p:nvPr/>
+        </p:nvSpPr>
+        <p:spPr>
+          <a:xfrm>
+            <a:off x="251364" y="5269676"/>
+            <a:ext cx="3304311" cy="816429"/>
+          </a:xfrm>
+          <a:prstGeom prst="roundRect">
+            <a:avLst/>
+          </a:prstGeom>
+        </p:spPr>
+        <p:style>
+          <a:lnRef idx="2">
+            <a:schemeClr val="accent1"/>
+          </a:lnRef>
+          <a:fillRef idx="1">
+            <a:schemeClr val="lt1"/>
+          </a:fillRef>
+          <a:effectRef idx="0">
+            <a:schemeClr val="accent1"/>
+          </a:effectRef>
+          <a:fontRef idx="minor">
+            <a:schemeClr val="dk1"/>
+          </a:fontRef>
+        </p:style>
+        <p:txBody>
+          <a:bodyPr rtlCol="0" anchor="ctr"/>
+          <a:lstStyle/>
+          <a:p>
+            <a:pPr algn="ctr"/>
+            <a:r>
+              <a:rPr lang="en-US" dirty="0"/>
+              <a:t>P</a:t>
+            </a:r>
+            <a:r>
+              <a:rPr lang="en-US" altLang="zh-CN" dirty="0"/>
+              <a:t>hotoshop </a:t>
+            </a:r>
+          </a:p>
+          <a:p>
+            <a:pPr algn="ctr"/>
+            <a:r>
+              <a:rPr lang="en-US" dirty="0"/>
+              <a:t>Maya/3D max</a:t>
+            </a:r>
+          </a:p>
+        </p:txBody>
+      </p:sp>
+      <p:sp>
+        <p:nvSpPr>
+          <p:cNvPr id="17" name="矩形: 圆角 16">
+            <a:extLst>
+              <a:ext uri="{FF2B5EF4-FFF2-40B4-BE49-F238E27FC236}">
+                <a16:creationId xmlns:a16="http://schemas.microsoft.com/office/drawing/2014/main" id="{FAAD77A9-7234-48CC-B3D1-19DA40CE3A01}"/>
+              </a:ext>
+            </a:extLst>
+          </p:cNvPr>
+          <p:cNvSpPr/>
+          <p:nvPr/>
+        </p:nvSpPr>
+        <p:spPr>
+          <a:xfrm>
+            <a:off x="6095999" y="5269675"/>
+            <a:ext cx="4081153" cy="816429"/>
+          </a:xfrm>
+          <a:prstGeom prst="roundRect">
+            <a:avLst/>
+          </a:prstGeom>
+        </p:spPr>
+        <p:style>
+          <a:lnRef idx="2">
+            <a:schemeClr val="accent1"/>
+          </a:lnRef>
+          <a:fillRef idx="1">
+            <a:schemeClr val="lt1"/>
+          </a:fillRef>
+          <a:effectRef idx="0">
+            <a:schemeClr val="accent1"/>
+          </a:effectRef>
+          <a:fontRef idx="minor">
+            <a:schemeClr val="dk1"/>
+          </a:fontRef>
+        </p:style>
+        <p:txBody>
+          <a:bodyPr rtlCol="0" anchor="ctr"/>
+          <a:lstStyle/>
+          <a:p>
+            <a:pPr algn="ctr"/>
+            <a:r>
+              <a:rPr lang="en-US" dirty="0"/>
+              <a:t>Unity 3D</a:t>
+            </a:r>
+          </a:p>
+        </p:txBody>
+      </p:sp>
+      <p:sp>
+        <p:nvSpPr>
+          <p:cNvPr id="18" name="矩形: 圆角 17">
+            <a:extLst>
+              <a:ext uri="{FF2B5EF4-FFF2-40B4-BE49-F238E27FC236}">
+                <a16:creationId xmlns:a16="http://schemas.microsoft.com/office/drawing/2014/main" id="{A4DC0078-5D78-44E0-914F-918150EECAC5}"/>
+              </a:ext>
+            </a:extLst>
+          </p:cNvPr>
+          <p:cNvSpPr/>
+          <p:nvPr/>
+        </p:nvSpPr>
+        <p:spPr>
+          <a:xfrm>
+            <a:off x="10640291" y="2291939"/>
+            <a:ext cx="1202377" cy="2707574"/>
+          </a:xfrm>
+          <a:prstGeom prst="roundRect">
+            <a:avLst/>
+          </a:prstGeom>
+        </p:spPr>
+        <p:style>
+          <a:lnRef idx="2">
+            <a:schemeClr val="accent1"/>
+          </a:lnRef>
+          <a:fillRef idx="1">
+            <a:schemeClr val="lt1"/>
+          </a:fillRef>
+          <a:effectRef idx="0">
+            <a:schemeClr val="accent1"/>
+          </a:effectRef>
+          <a:fontRef idx="minor">
+            <a:schemeClr val="dk1"/>
+          </a:fontRef>
+        </p:style>
+        <p:txBody>
+          <a:bodyPr rtlCol="0" anchor="ctr"/>
+          <a:lstStyle/>
+          <a:p>
+            <a:pPr algn="ctr"/>
+            <a:r>
+              <a:rPr lang="en-US" dirty="0"/>
+              <a:t>AR </a:t>
+            </a:r>
+            <a:r>
+              <a:rPr lang="en-US" altLang="zh-CN" dirty="0"/>
+              <a:t>display</a:t>
+            </a:r>
+            <a:endParaRPr lang="en-US" dirty="0"/>
+          </a:p>
+        </p:txBody>
+      </p:sp>
+      <p:sp>
+        <p:nvSpPr>
+          <p:cNvPr id="19" name="矩形: 圆角 18">
+            <a:extLst>
+              <a:ext uri="{FF2B5EF4-FFF2-40B4-BE49-F238E27FC236}">
+                <a16:creationId xmlns:a16="http://schemas.microsoft.com/office/drawing/2014/main" id="{9B5128DF-12EE-4483-8B23-186DFC143258}"/>
+              </a:ext>
+            </a:extLst>
+          </p:cNvPr>
+          <p:cNvSpPr/>
+          <p:nvPr/>
+        </p:nvSpPr>
+        <p:spPr>
+          <a:xfrm>
+            <a:off x="10640291" y="5271903"/>
+            <a:ext cx="1202377" cy="816429"/>
+          </a:xfrm>
+          <a:prstGeom prst="roundRect">
+            <a:avLst/>
+          </a:prstGeom>
+        </p:spPr>
+        <p:style>
+          <a:lnRef idx="2">
+            <a:schemeClr val="accent1"/>
+          </a:lnRef>
+          <a:fillRef idx="1">
+            <a:schemeClr val="lt1"/>
+          </a:fillRef>
+          <a:effectRef idx="0">
+            <a:schemeClr val="accent1"/>
+          </a:effectRef>
+          <a:fontRef idx="minor">
+            <a:schemeClr val="dk1"/>
+          </a:fontRef>
+        </p:style>
+        <p:txBody>
+          <a:bodyPr rtlCol="0" anchor="ctr"/>
+          <a:lstStyle/>
+          <a:p>
+            <a:pPr algn="ctr"/>
+            <a:r>
+              <a:rPr lang="en-US" dirty="0"/>
+              <a:t>M</a:t>
+            </a:r>
+            <a:r>
+              <a:rPr lang="en-US" altLang="zh-CN" dirty="0"/>
+              <a:t>obile Devices</a:t>
+            </a:r>
+            <a:endParaRPr lang="en-US" dirty="0"/>
+          </a:p>
+        </p:txBody>
+      </p:sp>
+      <p:sp>
+        <p:nvSpPr>
+          <p:cNvPr id="20" name="箭头: 右 19">
+            <a:extLst>
+              <a:ext uri="{FF2B5EF4-FFF2-40B4-BE49-F238E27FC236}">
+                <a16:creationId xmlns:a16="http://schemas.microsoft.com/office/drawing/2014/main" id="{DE78A70B-7676-4A73-9270-76577CFBA6B8}"/>
+              </a:ext>
+            </a:extLst>
+          </p:cNvPr>
+          <p:cNvSpPr/>
+          <p:nvPr/>
+        </p:nvSpPr>
+        <p:spPr>
+          <a:xfrm>
+            <a:off x="5632622" y="3138055"/>
+            <a:ext cx="469072" cy="938150"/>
+          </a:xfrm>
+          <a:prstGeom prst="rightArrow">
+            <a:avLst/>
+          </a:prstGeom>
+        </p:spPr>
+        <p:style>
+          <a:lnRef idx="2">
+            <a:schemeClr val="accent1">
+              <a:shade val="50000"/>
+            </a:schemeClr>
+          </a:lnRef>
+          <a:fillRef idx="1">
+            <a:schemeClr val="accent1"/>
+          </a:fillRef>
+          <a:effectRef idx="0">
+            <a:schemeClr val="accent1"/>
+          </a:effectRef>
+          <a:fontRef idx="minor">
+            <a:schemeClr val="lt1"/>
+          </a:fontRef>
+        </p:style>
+        <p:txBody>
+          <a:bodyPr rtlCol="0" anchor="ctr"/>
+          <a:lstStyle/>
+          <a:p>
+            <a:pPr algn="ctr"/>
+            <a:endParaRPr lang="en-US"/>
+          </a:p>
+        </p:txBody>
+      </p:sp>
+      <p:sp>
+        <p:nvSpPr>
+          <p:cNvPr id="21" name="矩形 20">
+            <a:extLst>
+              <a:ext uri="{FF2B5EF4-FFF2-40B4-BE49-F238E27FC236}">
+                <a16:creationId xmlns:a16="http://schemas.microsoft.com/office/drawing/2014/main" id="{824ABD0B-93A4-45CE-9FD3-E0480EB8C706}"/>
+              </a:ext>
+            </a:extLst>
+          </p:cNvPr>
+          <p:cNvSpPr/>
+          <p:nvPr/>
+        </p:nvSpPr>
+        <p:spPr>
+          <a:xfrm>
+            <a:off x="8256316" y="2490850"/>
+            <a:ext cx="1655619" cy="807522"/>
+          </a:xfrm>
+          <a:prstGeom prst="rect">
+            <a:avLst/>
+          </a:prstGeom>
+        </p:spPr>
+        <p:style>
+          <a:lnRef idx="2">
+            <a:schemeClr val="dk1"/>
+          </a:lnRef>
+          <a:fillRef idx="1">
+            <a:schemeClr val="lt1"/>
+          </a:fillRef>
+          <a:effectRef idx="0">
+            <a:schemeClr val="dk1"/>
+          </a:effectRef>
+          <a:fontRef idx="minor">
+            <a:schemeClr val="dk1"/>
+          </a:fontRef>
+        </p:style>
+        <p:txBody>
+          <a:bodyPr rtlCol="0" anchor="ctr"/>
+          <a:lstStyle/>
+          <a:p>
+            <a:pPr algn="ctr"/>
+            <a:r>
+              <a:rPr lang="en-US" dirty="0"/>
+              <a:t>Attach the captured map to the model</a:t>
+            </a:r>
+          </a:p>
+        </p:txBody>
+      </p:sp>
+      <p:cxnSp>
+        <p:nvCxnSpPr>
+          <p:cNvPr id="23" name="直接箭头连接符 22">
+            <a:extLst>
+              <a:ext uri="{FF2B5EF4-FFF2-40B4-BE49-F238E27FC236}">
+                <a16:creationId xmlns:a16="http://schemas.microsoft.com/office/drawing/2014/main" id="{ECC7F993-EAC4-4FB1-A5A4-8E2A8E721611}"/>
+              </a:ext>
+            </a:extLst>
+          </p:cNvPr>
+          <p:cNvCxnSpPr>
+            <a:cxnSpLocks/>
+            <a:stCxn id="8" idx="2"/>
+          </p:cNvCxnSpPr>
+          <p:nvPr/>
+        </p:nvCxnSpPr>
+        <p:spPr>
+          <a:xfrm flipH="1">
+            <a:off x="7061606" y="3298372"/>
+            <a:ext cx="24503" cy="644237"/>
+          </a:xfrm>
+          <a:prstGeom prst="straightConnector1">
+            <a:avLst/>
+          </a:prstGeom>
+          <a:ln>
+            <a:tailEnd type="triangle"/>
+          </a:ln>
+        </p:spPr>
+        <p:style>
+          <a:lnRef idx="1">
+            <a:schemeClr val="accent1"/>
+          </a:lnRef>
+          <a:fillRef idx="0">
+            <a:schemeClr val="accent1"/>
+          </a:fillRef>
+          <a:effectRef idx="0">
+            <a:schemeClr val="accent1"/>
+          </a:effectRef>
+          <a:fontRef idx="minor">
+            <a:schemeClr val="tx1"/>
+          </a:fontRef>
+        </p:style>
+      </p:cxnSp>
+      <p:cxnSp>
+        <p:nvCxnSpPr>
+          <p:cNvPr id="25" name="直接箭头连接符 24">
+            <a:extLst>
+              <a:ext uri="{FF2B5EF4-FFF2-40B4-BE49-F238E27FC236}">
+                <a16:creationId xmlns:a16="http://schemas.microsoft.com/office/drawing/2014/main" id="{BFDA9FA3-B853-452A-8370-F4F9DD296F0D}"/>
+              </a:ext>
+            </a:extLst>
+          </p:cNvPr>
+          <p:cNvCxnSpPr>
+            <a:cxnSpLocks/>
+          </p:cNvCxnSpPr>
+          <p:nvPr/>
+        </p:nvCxnSpPr>
+        <p:spPr>
+          <a:xfrm>
+            <a:off x="7791701" y="4391644"/>
+            <a:ext cx="454968" cy="0"/>
+          </a:xfrm>
+          <a:prstGeom prst="straightConnector1">
+            <a:avLst/>
+          </a:prstGeom>
+          <a:ln>
+            <a:tailEnd type="triangle"/>
+          </a:ln>
+        </p:spPr>
+        <p:style>
+          <a:lnRef idx="1">
+            <a:schemeClr val="accent1"/>
+          </a:lnRef>
+          <a:fillRef idx="0">
+            <a:schemeClr val="accent1"/>
+          </a:fillRef>
+          <a:effectRef idx="0">
+            <a:schemeClr val="accent1"/>
+          </a:effectRef>
+          <a:fontRef idx="minor">
+            <a:schemeClr val="tx1"/>
+          </a:fontRef>
+        </p:style>
+      </p:cxnSp>
+      <p:sp>
+        <p:nvSpPr>
+          <p:cNvPr id="26" name="箭头: 右 25">
+            <a:extLst>
+              <a:ext uri="{FF2B5EF4-FFF2-40B4-BE49-F238E27FC236}">
+                <a16:creationId xmlns:a16="http://schemas.microsoft.com/office/drawing/2014/main" id="{77C1C87E-4BA4-4833-A7BE-DC1D7A65AC01}"/>
+              </a:ext>
+            </a:extLst>
+          </p:cNvPr>
+          <p:cNvSpPr/>
+          <p:nvPr/>
+        </p:nvSpPr>
+        <p:spPr>
+          <a:xfrm>
+            <a:off x="10190761" y="3138055"/>
+            <a:ext cx="469072" cy="938150"/>
+          </a:xfrm>
+          <a:prstGeom prst="rightArrow">
+            <a:avLst/>
+          </a:prstGeom>
+        </p:spPr>
+        <p:style>
+          <a:lnRef idx="2">
+            <a:schemeClr val="accent1">
+              <a:shade val="50000"/>
+            </a:schemeClr>
+          </a:lnRef>
+          <a:fillRef idx="1">
+            <a:schemeClr val="accent1"/>
+          </a:fillRef>
+          <a:effectRef idx="0">
+            <a:schemeClr val="accent1"/>
+          </a:effectRef>
+          <a:fontRef idx="minor">
+            <a:schemeClr val="lt1"/>
+          </a:fontRef>
+        </p:style>
+        <p:txBody>
+          <a:bodyPr rtlCol="0" anchor="ctr"/>
+          <a:lstStyle/>
+          <a:p>
+            <a:pPr algn="ctr"/>
+            <a:endParaRPr lang="en-US"/>
+          </a:p>
+        </p:txBody>
+      </p:sp>
+      <p:sp>
+        <p:nvSpPr>
+          <p:cNvPr id="27" name="矩形 26">
+            <a:extLst>
+              <a:ext uri="{FF2B5EF4-FFF2-40B4-BE49-F238E27FC236}">
+                <a16:creationId xmlns:a16="http://schemas.microsoft.com/office/drawing/2014/main" id="{5F329189-1E44-4034-9B6E-2A7AC8F07B4F}"/>
+              </a:ext>
+            </a:extLst>
+          </p:cNvPr>
+          <p:cNvSpPr/>
+          <p:nvPr/>
+        </p:nvSpPr>
+        <p:spPr>
+          <a:xfrm>
+            <a:off x="6349838" y="3942609"/>
+            <a:ext cx="1496291" cy="807522"/>
+          </a:xfrm>
+          <a:prstGeom prst="rect">
+            <a:avLst/>
+          </a:prstGeom>
+        </p:spPr>
+        <p:style>
+          <a:lnRef idx="2">
+            <a:schemeClr val="dk1"/>
+          </a:lnRef>
+          <a:fillRef idx="1">
+            <a:schemeClr val="lt1"/>
+          </a:fillRef>
+          <a:effectRef idx="0">
+            <a:schemeClr val="dk1"/>
+          </a:effectRef>
+          <a:fontRef idx="minor">
+            <a:schemeClr val="dk1"/>
+          </a:fontRef>
+        </p:style>
+        <p:txBody>
+          <a:bodyPr rtlCol="0" anchor="ctr"/>
+          <a:lstStyle/>
+          <a:p>
+            <a:pPr algn="ctr"/>
+            <a:r>
+              <a:rPr lang="en-US" dirty="0"/>
+              <a:t>Mapping coordinates</a:t>
+            </a:r>
+          </a:p>
+        </p:txBody>
+      </p:sp>
+      <p:cxnSp>
+        <p:nvCxnSpPr>
+          <p:cNvPr id="31" name="直接箭头连接符 30">
+            <a:extLst>
+              <a:ext uri="{FF2B5EF4-FFF2-40B4-BE49-F238E27FC236}">
+                <a16:creationId xmlns:a16="http://schemas.microsoft.com/office/drawing/2014/main" id="{EFEE5F16-4586-4039-AA85-74C7DB4AABAE}"/>
+              </a:ext>
+            </a:extLst>
+          </p:cNvPr>
+          <p:cNvCxnSpPr>
+            <a:cxnSpLocks/>
+            <a:endCxn id="21" idx="2"/>
+          </p:cNvCxnSpPr>
+          <p:nvPr/>
+        </p:nvCxnSpPr>
+        <p:spPr>
+          <a:xfrm flipV="1">
+            <a:off x="9084125" y="3298372"/>
+            <a:ext cx="1" cy="644238"/>
+          </a:xfrm>
+          <a:prstGeom prst="straightConnector1">
+            <a:avLst/>
+          </a:prstGeom>
+          <a:ln>
+            <a:tailEnd type="triangle"/>
+          </a:ln>
+        </p:spPr>
+        <p:style>
+          <a:lnRef idx="1">
+            <a:schemeClr val="accent1"/>
+          </a:lnRef>
+          <a:fillRef idx="0">
+            <a:schemeClr val="accent1"/>
+          </a:fillRef>
+          <a:effectRef idx="0">
+            <a:schemeClr val="accent1"/>
+          </a:effectRef>
+          <a:fontRef idx="minor">
+            <a:schemeClr val="tx1"/>
+          </a:fontRef>
+        </p:style>
+      </p:cxnSp>
+    </p:spTree>
+    <p:extLst>
+      <p:ext uri="{BB962C8B-B14F-4D97-AF65-F5344CB8AC3E}">
+        <p14:creationId xmlns:p14="http://schemas.microsoft.com/office/powerpoint/2010/main" val="65027225"/>
+      </p:ext>
+    </p:extLst>
+  </p:cSld>
+  <p:clrMapOvr>
+    <a:masterClrMapping/>
+  </p:clrMapOvr>
+</p:sld>
+</file>
+
+<file path=ppt/slides/slide4.xml><?xml version="1.0" encoding="utf-8"?>
+<p:sld xmlns:a="http://schemas.openxmlformats.org/drawingml/2006/main" xmlns:r="http://schemas.openxmlformats.org/officeDocument/2006/relationships" xmlns:p="http://schemas.openxmlformats.org/presentationml/2006/main">
+  <p:cSld>
+    <p:spTree>
+      <p:nvGrpSpPr>
+        <p:cNvPr id="1" name=""/>
+        <p:cNvGrpSpPr/>
+        <p:nvPr/>
+      </p:nvGrpSpPr>
+      <p:grpSpPr>
+        <a:xfrm>
+          <a:off x="0" y="0"/>
+          <a:ext cx="0" cy="0"/>
+          <a:chOff x="0" y="0"/>
+          <a:chExt cx="0" cy="0"/>
+        </a:xfrm>
+      </p:grpSpPr>
+      <p:sp>
+        <p:nvSpPr>
+          <p:cNvPr id="2" name="标题 1">
+            <a:extLst>
+              <a:ext uri="{FF2B5EF4-FFF2-40B4-BE49-F238E27FC236}">
                 <a16:creationId xmlns:a16="http://schemas.microsoft.com/office/drawing/2014/main" id="{D6229163-C780-4C8E-975D-310C16D53A67}"/>
               </a:ext>
             </a:extLst>
@@ -4522,31 +5594,77 @@
           </a:p>
         </p:txBody>
       </p:sp>
-      <p:sp>
-        <p:nvSpPr>
-          <p:cNvPr id="3" name="内容占位符 2">
-            <a:extLst>
-              <a:ext uri="{FF2B5EF4-FFF2-40B4-BE49-F238E27FC236}">
-                <a16:creationId xmlns:a16="http://schemas.microsoft.com/office/drawing/2014/main" id="{C631580D-D88E-4C23-A44B-324320882AB2}"/>
-              </a:ext>
-            </a:extLst>
-          </p:cNvPr>
-          <p:cNvSpPr>
-            <a:spLocks noGrp="1"/>
-          </p:cNvSpPr>
+      <p:pic>
+        <p:nvPicPr>
+          <p:cNvPr id="4" name="内容占位符 3">
+            <a:extLst>
+              <a:ext uri="{FF2B5EF4-FFF2-40B4-BE49-F238E27FC236}">
+                <a16:creationId xmlns:a16="http://schemas.microsoft.com/office/drawing/2014/main" id="{F6226A99-CBC2-400A-86DC-A4DBFC91A120}"/>
+              </a:ext>
+            </a:extLst>
+          </p:cNvPr>
+          <p:cNvPicPr>
+            <a:picLocks noGrp="1"/>
+          </p:cNvPicPr>
           <p:nvPr>
             <p:ph idx="1"/>
           </p:nvPr>
-        </p:nvSpPr>
-        <p:spPr/>
-        <p:txBody>
-          <a:bodyPr/>
-          <a:lstStyle/>
-          <a:p>
-            <a:endParaRPr lang="en-US"/>
-          </a:p>
-        </p:txBody>
-      </p:sp>
+        </p:nvPicPr>
+        <p:blipFill>
+          <a:blip r:embed="rId2"/>
+          <a:stretch>
+            <a:fillRect/>
+          </a:stretch>
+        </p:blipFill>
+        <p:spPr>
+          <a:xfrm>
+            <a:off x="2571563" y="1825625"/>
+            <a:ext cx="7048873" cy="4351338"/>
+          </a:xfrm>
+          <a:prstGeom prst="rect">
+            <a:avLst/>
+          </a:prstGeom>
+        </p:spPr>
+      </p:pic>
+      <p:pic>
+        <p:nvPicPr>
+          <p:cNvPr id="5" name="图片 4">
+            <a:extLst>
+              <a:ext uri="{FF2B5EF4-FFF2-40B4-BE49-F238E27FC236}">
+                <a16:creationId xmlns:a16="http://schemas.microsoft.com/office/drawing/2014/main" id="{47FD1E1C-4992-40C0-A69B-A5E3AF9359EC}"/>
+              </a:ext>
+            </a:extLst>
+          </p:cNvPr>
+          <p:cNvPicPr/>
+          <p:nvPr/>
+        </p:nvPicPr>
+        <p:blipFill>
+          <a:blip r:embed="rId3" cstate="print">
+            <a:extLst>
+              <a:ext uri="{28A0092B-C50C-407E-A947-70E740481C1C}">
+                <a14:useLocalDpi xmlns:a14="http://schemas.microsoft.com/office/drawing/2010/main" val="0"/>
+              </a:ext>
+            </a:extLst>
+          </a:blip>
+          <a:srcRect/>
+          <a:stretch>
+            <a:fillRect/>
+          </a:stretch>
+        </p:blipFill>
+        <p:spPr bwMode="auto">
+          <a:xfrm>
+            <a:off x="2676657" y="2347282"/>
+            <a:ext cx="3949774" cy="3949774"/>
+          </a:xfrm>
+          <a:prstGeom prst="rect">
+            <a:avLst/>
+          </a:prstGeom>
+          <a:noFill/>
+          <a:ln>
+            <a:noFill/>
+          </a:ln>
+        </p:spPr>
+      </p:pic>
     </p:spTree>
     <p:extLst>
       <p:ext uri="{BB962C8B-B14F-4D97-AF65-F5344CB8AC3E}">
